--- a/Presentation and Report/Part1.pptx
+++ b/Presentation and Report/Part1.pptx
@@ -10,8 +10,9 @@
     <p:sldId id="259" r:id="rId4"/>
     <p:sldId id="260" r:id="rId5"/>
     <p:sldId id="261" r:id="rId6"/>
-    <p:sldId id="262" r:id="rId7"/>
-    <p:sldId id="263" r:id="rId8"/>
+    <p:sldId id="264" r:id="rId7"/>
+    <p:sldId id="262" r:id="rId8"/>
+    <p:sldId id="263" r:id="rId9"/>
   </p:sldIdLst>
   <p:sldSz cx="12192000" cy="6858000"/>
   <p:notesSz cx="6858000" cy="9144000"/>
@@ -110,6 +111,11 @@
       </a:defRPr>
     </a:lvl9pPr>
   </p:defaultTextStyle>
+  <p:extLst>
+    <p:ext uri="{EFAFB233-063F-42B5-8137-9DF3F51BA10A}">
+      <p15:sldGuideLst xmlns:p15="http://schemas.microsoft.com/office/powerpoint/2012/main"/>
+    </p:ext>
+  </p:extLst>
 </p:presentation>
 </file>
 
@@ -3283,6 +3289,35 @@
           </a:p>
         </p:txBody>
       </p:sp>
+      <p:pic>
+        <p:nvPicPr>
+          <p:cNvPr id="4" name="图片 3"/>
+          <p:cNvPicPr>
+            <a:picLocks noChangeAspect="1"/>
+          </p:cNvPicPr>
+          <p:nvPr/>
+        </p:nvPicPr>
+        <p:blipFill rotWithShape="1">
+          <a:blip r:embed="rId2">
+            <a:extLst>
+              <a:ext uri="{28A0092B-C50C-407E-A947-70E740481C1C}">
+                <a14:useLocalDpi xmlns:a14="http://schemas.microsoft.com/office/drawing/2010/main" val="0"/>
+              </a:ext>
+            </a:extLst>
+          </a:blip>
+          <a:srcRect l="1434" t="21449" r="2097" b="8229"/>
+          <a:stretch/>
+        </p:blipFill>
+        <p:spPr>
+          <a:xfrm>
+            <a:off x="703604" y="2503918"/>
+            <a:ext cx="10784792" cy="3204672"/>
+          </a:xfrm>
+          <a:prstGeom prst="rect">
+            <a:avLst/>
+          </a:prstGeom>
+        </p:spPr>
+      </p:pic>
     </p:spTree>
     <p:extLst>
       <p:ext uri="{BB962C8B-B14F-4D97-AF65-F5344CB8AC3E}">
@@ -3360,12 +3395,46 @@
           <a:p>
             <a:r>
               <a:rPr lang="en-US" altLang="zh-CN" dirty="0" smtClean="0"/>
-              <a:t>Integrated Processor</a:t>
+              <a:t>Integrated </a:t>
+            </a:r>
+            <a:r>
+              <a:rPr lang="en-US" altLang="zh-CN" dirty="0" err="1" smtClean="0"/>
+              <a:t>Processor_Enc</a:t>
             </a:r>
             <a:endParaRPr lang="zh-CN" altLang="en-US" dirty="0"/>
           </a:p>
         </p:txBody>
       </p:sp>
+      <p:pic>
+        <p:nvPicPr>
+          <p:cNvPr id="5" name="图片 4"/>
+          <p:cNvPicPr>
+            <a:picLocks noChangeAspect="1"/>
+          </p:cNvPicPr>
+          <p:nvPr/>
+        </p:nvPicPr>
+        <p:blipFill>
+          <a:blip r:embed="rId2">
+            <a:extLst>
+              <a:ext uri="{28A0092B-C50C-407E-A947-70E740481C1C}">
+                <a14:useLocalDpi xmlns:a14="http://schemas.microsoft.com/office/drawing/2010/main" val="0"/>
+              </a:ext>
+            </a:extLst>
+          </a:blip>
+          <a:stretch>
+            <a:fillRect/>
+          </a:stretch>
+        </p:blipFill>
+        <p:spPr>
+          <a:xfrm>
+            <a:off x="373004" y="2709210"/>
+            <a:ext cx="11445991" cy="2584167"/>
+          </a:xfrm>
+          <a:prstGeom prst="rect">
+            <a:avLst/>
+          </a:prstGeom>
+        </p:spPr>
+      </p:pic>
     </p:spTree>
     <p:extLst>
       <p:ext uri="{BB962C8B-B14F-4D97-AF65-F5344CB8AC3E}">
@@ -3420,6 +3489,123 @@
           <a:p>
             <a:r>
               <a:rPr lang="en-US" altLang="zh-CN" dirty="0" smtClean="0"/>
+              <a:t>Functional Simulation</a:t>
+            </a:r>
+            <a:endParaRPr lang="zh-CN" altLang="en-US" dirty="0"/>
+          </a:p>
+        </p:txBody>
+      </p:sp>
+      <p:sp>
+        <p:nvSpPr>
+          <p:cNvPr id="3" name="内容占位符 2"/>
+          <p:cNvSpPr>
+            <a:spLocks noGrp="1"/>
+          </p:cNvSpPr>
+          <p:nvPr>
+            <p:ph idx="1"/>
+          </p:nvPr>
+        </p:nvSpPr>
+        <p:spPr/>
+        <p:txBody>
+          <a:bodyPr/>
+          <a:lstStyle/>
+          <a:p>
+            <a:r>
+              <a:rPr lang="en-US" altLang="zh-CN" dirty="0" smtClean="0"/>
+              <a:t>Integrated </a:t>
+            </a:r>
+            <a:r>
+              <a:rPr lang="en-US" altLang="zh-CN" dirty="0" err="1" smtClean="0"/>
+              <a:t>Processor_Dec</a:t>
+            </a:r>
+            <a:endParaRPr lang="zh-CN" altLang="en-US" dirty="0"/>
+          </a:p>
+        </p:txBody>
+      </p:sp>
+      <p:pic>
+        <p:nvPicPr>
+          <p:cNvPr id="5" name="图片 4"/>
+          <p:cNvPicPr>
+            <a:picLocks noChangeAspect="1"/>
+          </p:cNvPicPr>
+          <p:nvPr/>
+        </p:nvPicPr>
+        <p:blipFill>
+          <a:blip r:embed="rId2">
+            <a:extLst>
+              <a:ext uri="{28A0092B-C50C-407E-A947-70E740481C1C}">
+                <a14:useLocalDpi xmlns:a14="http://schemas.microsoft.com/office/drawing/2010/main" val="0"/>
+              </a:ext>
+            </a:extLst>
+          </a:blip>
+          <a:stretch>
+            <a:fillRect/>
+          </a:stretch>
+        </p:blipFill>
+        <p:spPr>
+          <a:xfrm>
+            <a:off x="308404" y="2726109"/>
+            <a:ext cx="11575191" cy="2417086"/>
+          </a:xfrm>
+          <a:prstGeom prst="rect">
+            <a:avLst/>
+          </a:prstGeom>
+        </p:spPr>
+      </p:pic>
+    </p:spTree>
+    <p:extLst>
+      <p:ext uri="{BB962C8B-B14F-4D97-AF65-F5344CB8AC3E}">
+        <p14:creationId xmlns:p14="http://schemas.microsoft.com/office/powerpoint/2010/main" val="3628658307"/>
+      </p:ext>
+    </p:extLst>
+  </p:cSld>
+  <p:clrMapOvr>
+    <a:masterClrMapping/>
+  </p:clrMapOvr>
+  <p:timing>
+    <p:tnLst>
+      <p:par>
+        <p:cTn id="1" dur="indefinite" restart="never" nodeType="tmRoot"/>
+      </p:par>
+    </p:tnLst>
+  </p:timing>
+</p:sld>
+</file>
+
+<file path=ppt/slides/slide7.xml><?xml version="1.0" encoding="utf-8"?>
+<p:sld xmlns:a="http://schemas.openxmlformats.org/drawingml/2006/main" xmlns:r="http://schemas.openxmlformats.org/officeDocument/2006/relationships" xmlns:p="http://schemas.openxmlformats.org/presentationml/2006/main">
+  <p:cSld>
+    <p:spTree>
+      <p:nvGrpSpPr>
+        <p:cNvPr id="1" name=""/>
+        <p:cNvGrpSpPr/>
+        <p:nvPr/>
+      </p:nvGrpSpPr>
+      <p:grpSpPr>
+        <a:xfrm>
+          <a:off x="0" y="0"/>
+          <a:ext cx="0" cy="0"/>
+          <a:chOff x="0" y="0"/>
+          <a:chExt cx="0" cy="0"/>
+        </a:xfrm>
+      </p:grpSpPr>
+      <p:sp>
+        <p:nvSpPr>
+          <p:cNvPr id="2" name="标题 1"/>
+          <p:cNvSpPr>
+            <a:spLocks noGrp="1"/>
+          </p:cNvSpPr>
+          <p:nvPr>
+            <p:ph type="title"/>
+          </p:nvPr>
+        </p:nvSpPr>
+        <p:spPr/>
+        <p:txBody>
+          <a:bodyPr/>
+          <a:lstStyle/>
+          <a:p>
+            <a:r>
+              <a:rPr lang="en-US" altLang="zh-CN" dirty="0" smtClean="0"/>
               <a:t>Assembly Code</a:t>
             </a:r>
             <a:endParaRPr lang="zh-CN" altLang="en-US" dirty="0"/>
@@ -3472,7 +3658,7 @@
 </p:sld>
 </file>
 
-<file path=ppt/slides/slide7.xml><?xml version="1.0" encoding="utf-8"?>
+<file path=ppt/slides/slide8.xml><?xml version="1.0" encoding="utf-8"?>
 <p:sld xmlns:a="http://schemas.openxmlformats.org/drawingml/2006/main" xmlns:r="http://schemas.openxmlformats.org/officeDocument/2006/relationships" xmlns:p="http://schemas.openxmlformats.org/presentationml/2006/main">
   <p:cSld>
     <p:spTree>
